--- a/sessions/session-02/slides.pptx
+++ b/sessions/session-02/slides.pptx
@@ -3611,7 +3611,7 @@
             <a:r>
               <a:rPr lang="en-US" sz="1400" b="1" dirty="0">
                 <a:solidFill>
-                  <a:srgbClr val="2C2C2C"/>
+                  <a:srgbClr val="C62828"/>
                 </a:solidFill>
                 <a:latin typeface="Arial" pitchFamily="34" charset="0"/>
                 <a:ea typeface="Arial" pitchFamily="34" charset="-122"/>
@@ -3653,7 +3653,7 @@
             <a:r>
               <a:rPr lang="en-US" sz="1400" dirty="0">
                 <a:solidFill>
-                  <a:srgbClr val="2C2C2C"/>
+                  <a:srgbClr val="C62828"/>
                 </a:solidFill>
                 <a:latin typeface="Arial" pitchFamily="34" charset="0"/>
                 <a:ea typeface="Arial" pitchFamily="34" charset="-122"/>
@@ -3748,7 +3748,7 @@
             <a:r>
               <a:rPr lang="en-US" sz="1400" b="1" dirty="0">
                 <a:solidFill>
-                  <a:srgbClr val="2C2C2C"/>
+                  <a:srgbClr val="C62828"/>
                 </a:solidFill>
                 <a:latin typeface="Arial" pitchFamily="34" charset="0"/>
                 <a:ea typeface="Arial" pitchFamily="34" charset="-122"/>
@@ -3790,7 +3790,7 @@
             <a:r>
               <a:rPr lang="en-US" sz="1400" dirty="0">
                 <a:solidFill>
-                  <a:srgbClr val="2C2C2C"/>
+                  <a:srgbClr val="C62828"/>
                 </a:solidFill>
                 <a:latin typeface="Arial" pitchFamily="34" charset="0"/>
                 <a:ea typeface="Arial" pitchFamily="34" charset="-122"/>
@@ -3885,7 +3885,7 @@
             <a:r>
               <a:rPr lang="en-US" sz="1400" b="1" dirty="0">
                 <a:solidFill>
-                  <a:srgbClr val="2C2C2C"/>
+                  <a:srgbClr val="C62828"/>
                 </a:solidFill>
                 <a:latin typeface="Arial" pitchFamily="34" charset="0"/>
                 <a:ea typeface="Arial" pitchFamily="34" charset="-122"/>
@@ -3927,7 +3927,7 @@
             <a:r>
               <a:rPr lang="en-US" sz="1400" dirty="0">
                 <a:solidFill>
-                  <a:srgbClr val="2C2C2C"/>
+                  <a:srgbClr val="C62828"/>
                 </a:solidFill>
                 <a:latin typeface="Arial" pitchFamily="34" charset="0"/>
                 <a:ea typeface="Arial" pitchFamily="34" charset="-122"/>
@@ -3948,7 +3948,7 @@
         <p:spPr>
           <a:xfrm>
             <a:off x="355550" y="3688110"/>
-            <a:ext cx="8432899" cy="527745"/>
+            <a:ext cx="8432899" cy="870645"/>
           </a:xfrm>
           <a:prstGeom prst="rect">
             <a:avLst/>
@@ -3978,7 +3978,7 @@
         <p:spPr>
           <a:xfrm>
             <a:off x="384125" y="3688110"/>
-            <a:ext cx="0" cy="527745"/>
+            <a:ext cx="0" cy="870645"/>
           </a:xfrm>
           <a:prstGeom prst="line">
             <a:avLst/>
@@ -4001,7 +4001,7 @@
         <p:spPr>
           <a:xfrm>
             <a:off x="590401" y="3814911"/>
-            <a:ext cx="8180755" cy="274141"/>
+            <a:ext cx="8180755" cy="617041"/>
           </a:xfrm>
           <a:prstGeom prst="rect">
             <a:avLst/>
@@ -4015,7 +4015,7 @@
           <a:p>
             <a:pPr algn="l" indent="0" marL="0">
               <a:lnSpc>
-                <a:spcPts val="2160"/>
+                <a:spcPts val="2430"/>
               </a:lnSpc>
               <a:spcBef>
                 <a:spcPts val="200"/>
@@ -4026,7 +4026,7 @@
               <a:buNone/>
             </a:pPr>
             <a:r>
-              <a:rPr lang="en-US" sz="1600" b="1" dirty="0">
+              <a:rPr lang="en-US" sz="1800" b="1" dirty="0">
                 <a:solidFill>
                   <a:srgbClr val="1E5128"/>
                 </a:solidFill>
@@ -4038,7 +4038,7 @@
             </a:r>
             <a:pPr algn="l" indent="0" marL="0">
               <a:lnSpc>
-                <a:spcPts val="2160"/>
+                <a:spcPts val="2430"/>
               </a:lnSpc>
               <a:spcBef>
                 <a:spcPts val="200"/>
@@ -4049,7 +4049,7 @@
               <a:buNone/>
             </a:pPr>
             <a:r>
-              <a:rPr lang="en-US" sz="1600" dirty="0">
+              <a:rPr lang="en-US" sz="1800" dirty="0">
                 <a:solidFill>
                   <a:srgbClr val="1E5128"/>
                 </a:solidFill>
@@ -4059,7 +4059,7 @@
               </a:rPr>
               <a:t> Someone should know what the task is just from reading the title.</a:t>
             </a:r>
-            <a:endParaRPr lang="en-US" sz="1600" dirty="0"/>
+            <a:endParaRPr lang="en-US" sz="1800" dirty="0"/>
           </a:p>
         </p:txBody>
       </p:sp>
@@ -4269,7 +4269,7 @@
         <p:spPr>
           <a:xfrm>
             <a:off x="355550" y="1954560"/>
-            <a:ext cx="4114800" cy="1198662"/>
+            <a:ext cx="4114800" cy="1264146"/>
           </a:xfrm>
           <a:prstGeom prst="rect">
             <a:avLst/>
@@ -4283,7 +4283,7 @@
           <a:p>
             <a:pPr algn="l" marL="139700" indent="-139700">
               <a:lnSpc>
-                <a:spcPts val="2210"/>
+                <a:spcPts val="2340"/>
               </a:lnSpc>
               <a:spcAft>
                 <a:spcPts val="200"/>
@@ -4292,7 +4292,7 @@
               <a:buChar char="•"/>
             </a:pPr>
             <a:r>
-              <a:rPr lang="en-US" sz="1700" b="1" dirty="0">
+              <a:rPr lang="en-US" sz="1800" b="1" dirty="0">
                 <a:solidFill>
                   <a:srgbClr val="2C2C2C"/>
                 </a:solidFill>
@@ -4304,7 +4304,7 @@
             </a:r>
             <a:pPr algn="l" indent="0" marL="0">
               <a:lnSpc>
-                <a:spcPts val="2210"/>
+                <a:spcPts val="2340"/>
               </a:lnSpc>
               <a:spcAft>
                 <a:spcPts val="200"/>
@@ -4312,7 +4312,7 @@
               <a:buNone/>
             </a:pPr>
             <a:r>
-              <a:rPr lang="en-US" sz="1700" dirty="0">
+              <a:rPr lang="en-US" sz="1800" dirty="0">
                 <a:solidFill>
                   <a:srgbClr val="2C2C2C"/>
                 </a:solidFill>
@@ -4322,12 +4322,12 @@
               </a:rPr>
               <a:t> needs to be done?</a:t>
             </a:r>
-            <a:endParaRPr lang="en-US" sz="1700" dirty="0"/>
+            <a:endParaRPr lang="en-US" sz="1800" dirty="0"/>
           </a:p>
           <a:p>
             <a:pPr algn="l" marL="139700" indent="-139700">
               <a:lnSpc>
-                <a:spcPts val="2210"/>
+                <a:spcPts val="2340"/>
               </a:lnSpc>
               <a:spcAft>
                 <a:spcPts val="200"/>
@@ -4336,7 +4336,7 @@
               <a:buChar char="•"/>
             </a:pPr>
             <a:r>
-              <a:rPr lang="en-US" sz="1700" b="1" dirty="0">
+              <a:rPr lang="en-US" sz="1800" b="1" dirty="0">
                 <a:solidFill>
                   <a:srgbClr val="2C2C2C"/>
                 </a:solidFill>
@@ -4348,7 +4348,7 @@
             </a:r>
             <a:pPr algn="l" indent="0" marL="0">
               <a:lnSpc>
-                <a:spcPts val="2210"/>
+                <a:spcPts val="2340"/>
               </a:lnSpc>
               <a:spcAft>
                 <a:spcPts val="200"/>
@@ -4356,7 +4356,7 @@
               <a:buNone/>
             </a:pPr>
             <a:r>
-              <a:rPr lang="en-US" sz="1700" dirty="0">
+              <a:rPr lang="en-US" sz="1800" dirty="0">
                 <a:solidFill>
                   <a:srgbClr val="2C2C2C"/>
                 </a:solidFill>
@@ -4366,12 +4366,12 @@
               </a:rPr>
               <a:t> is the problem?</a:t>
             </a:r>
-            <a:endParaRPr lang="en-US" sz="1700" dirty="0"/>
+            <a:endParaRPr lang="en-US" sz="1800" dirty="0"/>
           </a:p>
           <a:p>
             <a:pPr algn="l" marL="139700" indent="-139700">
               <a:lnSpc>
-                <a:spcPts val="2210"/>
+                <a:spcPts val="2340"/>
               </a:lnSpc>
               <a:spcAft>
                 <a:spcPts val="200"/>
@@ -4380,7 +4380,7 @@
               <a:buChar char="•"/>
             </a:pPr>
             <a:r>
-              <a:rPr lang="en-US" sz="1700" b="1" dirty="0">
+              <a:rPr lang="en-US" sz="1800" b="1" dirty="0">
                 <a:solidFill>
                   <a:srgbClr val="2C2C2C"/>
                 </a:solidFill>
@@ -4392,7 +4392,7 @@
             </a:r>
             <a:pPr algn="l" indent="0" marL="0">
               <a:lnSpc>
-                <a:spcPts val="2210"/>
+                <a:spcPts val="2340"/>
               </a:lnSpc>
               <a:spcAft>
                 <a:spcPts val="200"/>
@@ -4400,7 +4400,7 @@
               <a:buNone/>
             </a:pPr>
             <a:r>
-              <a:rPr lang="en-US" sz="1700" dirty="0">
+              <a:rPr lang="en-US" sz="1800" dirty="0">
                 <a:solidFill>
                   <a:srgbClr val="2C2C2C"/>
                 </a:solidFill>
@@ -4410,12 +4410,12 @@
               </a:rPr>
               <a:t> does it need to happen?</a:t>
             </a:r>
-            <a:endParaRPr lang="en-US" sz="1700" dirty="0"/>
+            <a:endParaRPr lang="en-US" sz="1800" dirty="0"/>
           </a:p>
           <a:p>
             <a:pPr algn="l" marL="139700" indent="-139700">
               <a:lnSpc>
-                <a:spcPts val="2210"/>
+                <a:spcPts val="2340"/>
               </a:lnSpc>
               <a:spcAft>
                 <a:spcPts val="200"/>
@@ -4424,7 +4424,7 @@
               <a:buChar char="•"/>
             </a:pPr>
             <a:r>
-              <a:rPr lang="en-US" sz="1700" b="1" dirty="0">
+              <a:rPr lang="en-US" sz="1800" b="1" dirty="0">
                 <a:solidFill>
                   <a:srgbClr val="2C2C2C"/>
                 </a:solidFill>
@@ -4436,7 +4436,7 @@
             </a:r>
             <a:pPr algn="l" indent="0" marL="0">
               <a:lnSpc>
-                <a:spcPts val="2210"/>
+                <a:spcPts val="2340"/>
               </a:lnSpc>
               <a:spcAft>
                 <a:spcPts val="200"/>
@@ -4444,7 +4444,7 @@
               <a:buNone/>
             </a:pPr>
             <a:r>
-              <a:rPr lang="en-US" sz="1700" dirty="0">
+              <a:rPr lang="en-US" sz="1800" dirty="0">
                 <a:solidFill>
                   <a:srgbClr val="2C2C2C"/>
                 </a:solidFill>
@@ -4454,7 +4454,7 @@
               </a:rPr>
               <a:t> is it?</a:t>
             </a:r>
-            <a:endParaRPr lang="en-US" sz="1700" dirty="0"/>
+            <a:endParaRPr lang="en-US" sz="1800" dirty="0"/>
           </a:p>
         </p:txBody>
       </p:sp>
@@ -4515,7 +4515,7 @@
         <p:spPr>
           <a:xfrm>
             <a:off x="4673501" y="1954560"/>
-            <a:ext cx="4114949" cy="892671"/>
+            <a:ext cx="4114949" cy="1238845"/>
           </a:xfrm>
           <a:prstGeom prst="rect">
             <a:avLst/>
@@ -4529,7 +4529,7 @@
           <a:p>
             <a:pPr algn="l" marL="139700" indent="-139700">
               <a:lnSpc>
-                <a:spcPts val="2210"/>
+                <a:spcPts val="2340"/>
               </a:lnSpc>
               <a:spcAft>
                 <a:spcPts val="200"/>
@@ -4538,7 +4538,7 @@
               <a:buChar char="•"/>
             </a:pPr>
             <a:r>
-              <a:rPr lang="en-US" sz="1700" dirty="0">
+              <a:rPr lang="en-US" sz="1800" dirty="0">
                 <a:solidFill>
                   <a:srgbClr val="2C2C2C"/>
                 </a:solidFill>
@@ -4550,7 +4550,7 @@
             </a:r>
             <a:pPr algn="l" indent="0" marL="0">
               <a:lnSpc>
-                <a:spcPts val="2210"/>
+                <a:spcPts val="2340"/>
               </a:lnSpc>
               <a:spcAft>
                 <a:spcPts val="200"/>
@@ -4558,7 +4558,7 @@
               <a:buNone/>
             </a:pPr>
             <a:r>
-              <a:rPr lang="en-US" sz="1700" b="1" dirty="0">
+              <a:rPr lang="en-US" sz="1800" b="1" dirty="0">
                 <a:solidFill>
                   <a:srgbClr val="2C2C2C"/>
                 </a:solidFill>
@@ -4570,7 +4570,7 @@
             </a:r>
             <a:pPr algn="l" indent="0" marL="0">
               <a:lnSpc>
-                <a:spcPts val="2210"/>
+                <a:spcPts val="2340"/>
               </a:lnSpc>
               <a:spcAft>
                 <a:spcPts val="200"/>
@@ -4578,7 +4578,7 @@
               <a:buNone/>
             </a:pPr>
             <a:r>
-              <a:rPr lang="en-US" sz="1700" dirty="0">
+              <a:rPr lang="en-US" sz="1800" dirty="0">
                 <a:solidFill>
                   <a:srgbClr val="2C2C2C"/>
                 </a:solidFill>
@@ -4588,12 +4588,12 @@
               </a:rPr>
               <a:t> (image icon or drag in)</a:t>
             </a:r>
-            <a:endParaRPr lang="en-US" sz="1700" dirty="0"/>
+            <a:endParaRPr lang="en-US" sz="1800" dirty="0"/>
           </a:p>
           <a:p>
             <a:pPr algn="l" marL="139700" indent="-139700">
               <a:lnSpc>
-                <a:spcPts val="2210"/>
+                <a:spcPts val="2340"/>
               </a:lnSpc>
               <a:spcAft>
                 <a:spcPts val="200"/>
@@ -4602,7 +4602,7 @@
               <a:buChar char="•"/>
             </a:pPr>
             <a:r>
-              <a:rPr lang="en-US" sz="1700" dirty="0">
+              <a:rPr lang="en-US" sz="1800" dirty="0">
                 <a:solidFill>
                   <a:srgbClr val="2C2C2C"/>
                 </a:solidFill>
@@ -4614,7 +4614,7 @@
             </a:r>
             <a:pPr algn="l" indent="0" marL="0">
               <a:lnSpc>
-                <a:spcPts val="2210"/>
+                <a:spcPts val="2340"/>
               </a:lnSpc>
               <a:spcAft>
                 <a:spcPts val="200"/>
@@ -4622,7 +4622,7 @@
               <a:buNone/>
             </a:pPr>
             <a:r>
-              <a:rPr lang="en-US" sz="1700" b="1" dirty="0">
+              <a:rPr lang="en-US" sz="1800" b="1" dirty="0">
                 <a:solidFill>
                   <a:srgbClr val="2C2C2C"/>
                 </a:solidFill>
@@ -4632,12 +4632,12 @@
               </a:rPr>
               <a:t>checklist</a:t>
             </a:r>
-            <a:endParaRPr lang="en-US" sz="1700" dirty="0"/>
+            <a:endParaRPr lang="en-US" sz="1800" dirty="0"/>
           </a:p>
           <a:p>
             <a:pPr algn="l" marL="139700" indent="-139700">
               <a:lnSpc>
-                <a:spcPts val="2210"/>
+                <a:spcPts val="2340"/>
               </a:lnSpc>
               <a:spcAft>
                 <a:spcPts val="200"/>
@@ -4646,7 +4646,7 @@
               <a:buChar char="•"/>
             </a:pPr>
             <a:r>
-              <a:rPr lang="en-US" sz="1700" dirty="0">
+              <a:rPr lang="en-US" sz="1800" dirty="0">
                 <a:solidFill>
                   <a:srgbClr val="2C2C2C"/>
                 </a:solidFill>
@@ -4658,7 +4658,7 @@
             </a:r>
             <a:pPr algn="l" indent="0" marL="0">
               <a:lnSpc>
-                <a:spcPts val="2210"/>
+                <a:spcPts val="2340"/>
               </a:lnSpc>
               <a:spcAft>
                 <a:spcPts val="200"/>
@@ -4666,7 +4666,7 @@
               <a:buNone/>
             </a:pPr>
             <a:r>
-              <a:rPr lang="en-US" sz="1700" b="1" dirty="0">
+              <a:rPr lang="en-US" sz="1800" b="1" dirty="0">
                 <a:solidFill>
                   <a:srgbClr val="2C2C2C"/>
                 </a:solidFill>
@@ -4678,7 +4678,7 @@
             </a:r>
             <a:pPr algn="l" indent="0" marL="0">
               <a:lnSpc>
-                <a:spcPts val="2210"/>
+                <a:spcPts val="2340"/>
               </a:lnSpc>
               <a:spcAft>
                 <a:spcPts val="200"/>
@@ -4686,7 +4686,7 @@
               <a:buNone/>
             </a:pPr>
             <a:r>
-              <a:rPr lang="en-US" sz="1700" dirty="0">
+              <a:rPr lang="en-US" sz="1800" dirty="0">
                 <a:solidFill>
                   <a:srgbClr val="2C2C2C"/>
                 </a:solidFill>
@@ -4696,7 +4696,7 @@
               </a:rPr>
               <a:t> to other info</a:t>
             </a:r>
-            <a:endParaRPr lang="en-US" sz="1700" dirty="0"/>
+            <a:endParaRPr lang="en-US" sz="1800" dirty="0"/>
           </a:p>
         </p:txBody>
       </p:sp>
@@ -6072,11 +6072,11 @@
         <p:spPr>
           <a:xfrm>
             <a:off x="355550" y="3577679"/>
-            <a:ext cx="8432899" cy="1076027"/>
+            <a:ext cx="8432899" cy="1179165"/>
           </a:xfrm>
           <a:prstGeom prst="roundRect">
             <a:avLst>
-              <a:gd name="adj" fmla="val 7082"/>
+              <a:gd name="adj" fmla="val 6462"/>
             </a:avLst>
           </a:prstGeom>
           <a:solidFill>
@@ -6104,7 +6104,7 @@
         <p:spPr>
           <a:xfrm>
             <a:off x="507950" y="3679180"/>
-            <a:ext cx="8290661" cy="274141"/>
+            <a:ext cx="8290661" cy="308521"/>
           </a:xfrm>
           <a:prstGeom prst="rect">
             <a:avLst/>
@@ -6118,7 +6118,7 @@
           <a:p>
             <a:pPr algn="l" indent="0" marL="0">
               <a:lnSpc>
-                <a:spcPts val="2160"/>
+                <a:spcPts val="2430"/>
               </a:lnSpc>
               <a:spcBef>
                 <a:spcPts val="200"/>
@@ -6129,7 +6129,7 @@
               <a:buNone/>
             </a:pPr>
             <a:r>
-              <a:rPr lang="en-US" sz="1600" i="1" dirty="0">
+              <a:rPr lang="en-US" sz="1800" i="1" dirty="0">
                 <a:solidFill>
                   <a:srgbClr val="2C2C2C"/>
                 </a:solidFill>
@@ -6139,7 +6139,7 @@
               </a:rPr>
               <a:t>"Ordered the replacement post. Arriving Thursday."</a:t>
             </a:r>
-            <a:endParaRPr lang="en-US" sz="1600" dirty="0"/>
+            <a:endParaRPr lang="en-US" sz="1800" dirty="0"/>
           </a:p>
         </p:txBody>
       </p:sp>
@@ -6151,8 +6151,8 @@
         </p:nvSpPr>
         <p:spPr>
           <a:xfrm>
-            <a:off x="507950" y="3978622"/>
-            <a:ext cx="8290661" cy="274141"/>
+            <a:off x="507950" y="4013002"/>
+            <a:ext cx="8290661" cy="308521"/>
           </a:xfrm>
           <a:prstGeom prst="rect">
             <a:avLst/>
@@ -6166,7 +6166,7 @@
           <a:p>
             <a:pPr algn="l" indent="0" marL="0">
               <a:lnSpc>
-                <a:spcPts val="2160"/>
+                <a:spcPts val="2430"/>
               </a:lnSpc>
               <a:spcBef>
                 <a:spcPts val="200"/>
@@ -6177,7 +6177,7 @@
               <a:buNone/>
             </a:pPr>
             <a:r>
-              <a:rPr lang="en-US" sz="1600" i="1" dirty="0">
+              <a:rPr lang="en-US" sz="1800" i="1" dirty="0">
                 <a:solidFill>
                   <a:srgbClr val="2C2C2C"/>
                 </a:solidFill>
@@ -6187,7 +6187,7 @@
               </a:rPr>
               <a:t>"Fixed the fence. Used 3 new posts and 20ft of wire."</a:t>
             </a:r>
-            <a:endParaRPr lang="en-US" sz="1600" dirty="0"/>
+            <a:endParaRPr lang="en-US" sz="1800" dirty="0"/>
           </a:p>
         </p:txBody>
       </p:sp>
@@ -6199,8 +6199,8 @@
         </p:nvSpPr>
         <p:spPr>
           <a:xfrm>
-            <a:off x="507950" y="4278064"/>
-            <a:ext cx="8290661" cy="274141"/>
+            <a:off x="507950" y="4346823"/>
+            <a:ext cx="8290661" cy="308521"/>
           </a:xfrm>
           <a:prstGeom prst="rect">
             <a:avLst/>
@@ -6214,7 +6214,7 @@
           <a:p>
             <a:pPr algn="l" indent="0" marL="0">
               <a:lnSpc>
-                <a:spcPts val="2160"/>
+                <a:spcPts val="2430"/>
               </a:lnSpc>
               <a:spcBef>
                 <a:spcPts val="200"/>
@@ -6225,7 +6225,7 @@
               <a:buNone/>
             </a:pPr>
             <a:r>
-              <a:rPr lang="en-US" sz="1600" i="1" dirty="0">
+              <a:rPr lang="en-US" sz="1800" i="1" dirty="0">
                 <a:solidFill>
                   <a:srgbClr val="2C2C2C"/>
                 </a:solidFill>
@@ -6235,7 +6235,7 @@
               </a:rPr>
               <a:t>"Vet says vaccinations need to happen before May 1."</a:t>
             </a:r>
-            <a:endParaRPr lang="en-US" sz="1600" dirty="0"/>
+            <a:endParaRPr lang="en-US" sz="1800" dirty="0"/>
           </a:p>
         </p:txBody>
       </p:sp>
@@ -6822,11 +6822,11 @@
         <p:spPr>
           <a:xfrm>
             <a:off x="355550" y="1646039"/>
-            <a:ext cx="4114800" cy="1062782"/>
+            <a:ext cx="4114800" cy="1079897"/>
           </a:xfrm>
           <a:prstGeom prst="roundRect">
             <a:avLst>
-              <a:gd name="adj" fmla="val 9560"/>
+              <a:gd name="adj" fmla="val 9408"/>
             </a:avLst>
           </a:prstGeom>
           <a:solidFill>
@@ -6900,7 +6900,7 @@
         <p:spPr>
           <a:xfrm>
             <a:off x="541047" y="2220664"/>
-            <a:ext cx="3743807" cy="291405"/>
+            <a:ext cx="3743807" cy="308521"/>
           </a:xfrm>
           <a:prstGeom prst="rect">
             <a:avLst/>
@@ -6914,7 +6914,7 @@
           <a:p>
             <a:pPr algn="ctr" indent="0" marL="0">
               <a:lnSpc>
-                <a:spcPts val="2295"/>
+                <a:spcPts val="2430"/>
               </a:lnSpc>
               <a:spcBef>
                 <a:spcPts val="200"/>
@@ -6925,7 +6925,7 @@
               <a:buNone/>
             </a:pPr>
             <a:r>
-              <a:rPr lang="en-US" sz="1700" dirty="0">
+              <a:rPr lang="en-US" sz="1800" dirty="0">
                 <a:solidFill>
                   <a:srgbClr val="2C2C2C"/>
                 </a:solidFill>
@@ -6935,7 +6935,7 @@
               </a:rPr>
               <a:t>Tasks that still need doing</a:t>
             </a:r>
-            <a:endParaRPr lang="en-US" sz="1700" dirty="0"/>
+            <a:endParaRPr lang="en-US" sz="1800" dirty="0"/>
           </a:p>
         </p:txBody>
       </p:sp>
@@ -6948,11 +6948,11 @@
         <p:spPr>
           <a:xfrm>
             <a:off x="4673501" y="1646039"/>
-            <a:ext cx="4114949" cy="1062782"/>
+            <a:ext cx="4114949" cy="1079897"/>
           </a:xfrm>
           <a:prstGeom prst="roundRect">
             <a:avLst>
-              <a:gd name="adj" fmla="val 9560"/>
+              <a:gd name="adj" fmla="val 9408"/>
             </a:avLst>
           </a:prstGeom>
           <a:solidFill>
@@ -7026,7 +7026,7 @@
         <p:spPr>
           <a:xfrm>
             <a:off x="4858996" y="2220664"/>
-            <a:ext cx="3743959" cy="291405"/>
+            <a:ext cx="3743959" cy="308521"/>
           </a:xfrm>
           <a:prstGeom prst="rect">
             <a:avLst/>
@@ -7040,7 +7040,7 @@
           <a:p>
             <a:pPr algn="ctr" indent="0" marL="0">
               <a:lnSpc>
-                <a:spcPts val="2295"/>
+                <a:spcPts val="2430"/>
               </a:lnSpc>
               <a:spcBef>
                 <a:spcPts val="200"/>
@@ -7051,7 +7051,7 @@
               <a:buNone/>
             </a:pPr>
             <a:r>
-              <a:rPr lang="en-US" sz="1700" dirty="0">
+              <a:rPr lang="en-US" sz="1800" dirty="0">
                 <a:solidFill>
                   <a:srgbClr val="2C2C2C"/>
                 </a:solidFill>
@@ -7061,7 +7061,7 @@
               </a:rPr>
               <a:t>Tasks that are done</a:t>
             </a:r>
-            <a:endParaRPr lang="en-US" sz="1700" dirty="0"/>
+            <a:endParaRPr lang="en-US" sz="1800" dirty="0"/>
           </a:p>
         </p:txBody>
       </p:sp>
@@ -7073,7 +7073,7 @@
         </p:nvSpPr>
         <p:spPr>
           <a:xfrm>
-            <a:off x="355550" y="2899172"/>
+            <a:off x="355550" y="2916287"/>
             <a:ext cx="8601557" cy="651272"/>
           </a:xfrm>
           <a:prstGeom prst="rect">
@@ -7121,7 +7121,7 @@
         </p:nvSpPr>
         <p:spPr>
           <a:xfrm>
-            <a:off x="355550" y="3715345"/>
+            <a:off x="355550" y="3732461"/>
             <a:ext cx="8432899" cy="904875"/>
           </a:xfrm>
           <a:prstGeom prst="rect">
@@ -7151,7 +7151,7 @@
         </p:nvSpPr>
         <p:spPr>
           <a:xfrm>
-            <a:off x="384125" y="3715345"/>
+            <a:off x="384125" y="3732461"/>
             <a:ext cx="0" cy="904875"/>
           </a:xfrm>
           <a:prstGeom prst="line">
@@ -7174,7 +7174,7 @@
         </p:nvSpPr>
         <p:spPr>
           <a:xfrm>
-            <a:off x="590401" y="3842147"/>
+            <a:off x="590401" y="3859262"/>
             <a:ext cx="8180755" cy="651272"/>
           </a:xfrm>
           <a:prstGeom prst="rect">
@@ -7347,11 +7347,11 @@
         <p:spPr>
           <a:xfrm>
             <a:off x="355550" y="1142851"/>
-            <a:ext cx="8432899" cy="945207"/>
+            <a:ext cx="8432899" cy="962323"/>
           </a:xfrm>
           <a:prstGeom prst="roundRect">
             <a:avLst>
-              <a:gd name="adj" fmla="val 10749"/>
+              <a:gd name="adj" fmla="val 10558"/>
             </a:avLst>
           </a:prstGeom>
           <a:solidFill>
@@ -7421,7 +7421,7 @@
         <p:spPr>
           <a:xfrm>
             <a:off x="478435" y="1644402"/>
-            <a:ext cx="8187130" cy="291405"/>
+            <a:ext cx="8187130" cy="308521"/>
           </a:xfrm>
           <a:prstGeom prst="rect">
             <a:avLst/>
@@ -7435,7 +7435,7 @@
           <a:p>
             <a:pPr algn="ctr" indent="0" marL="0">
               <a:lnSpc>
-                <a:spcPts val="2295"/>
+                <a:spcPts val="2430"/>
               </a:lnSpc>
               <a:spcBef>
                 <a:spcPts val="200"/>
@@ -7446,7 +7446,7 @@
               <a:buNone/>
             </a:pPr>
             <a:r>
-              <a:rPr lang="en-US" sz="1700" dirty="0">
+              <a:rPr lang="en-US" sz="1800" dirty="0">
                 <a:solidFill>
                   <a:srgbClr val="E8F5E9"/>
                 </a:solidFill>
@@ -7456,7 +7456,7 @@
               </a:rPr>
               <a:t>Scenario: A broken fence post in the north pasture.</a:t>
             </a:r>
-            <a:endParaRPr lang="en-US" sz="1700" dirty="0"/>
+            <a:endParaRPr lang="en-US" sz="1800" dirty="0"/>
           </a:p>
         </p:txBody>
       </p:sp>
@@ -7468,8 +7468,8 @@
         </p:nvSpPr>
         <p:spPr>
           <a:xfrm>
-            <a:off x="355550" y="2215009"/>
-            <a:ext cx="8432899" cy="2116634"/>
+            <a:off x="355550" y="2232124"/>
+            <a:ext cx="8432899" cy="2231231"/>
           </a:xfrm>
           <a:prstGeom prst="rect">
             <a:avLst/>
@@ -7483,7 +7483,7 @@
           <a:p>
             <a:pPr algn="l" marL="152400" indent="-152400">
               <a:lnSpc>
-                <a:spcPts val="2210"/>
+                <a:spcPts val="2340"/>
               </a:lnSpc>
               <a:spcAft>
                 <a:spcPts val="200"/>
@@ -7492,7 +7492,7 @@
               <a:buChar char="•"/>
             </a:pPr>
             <a:r>
-              <a:rPr lang="en-US" sz="1700" dirty="0">
+              <a:rPr lang="en-US" sz="1800" dirty="0">
                 <a:solidFill>
                   <a:srgbClr val="2C2C2C"/>
                 </a:solidFill>
@@ -7502,12 +7502,12 @@
               </a:rPr>
               <a:t>Navigate to Issues tab</a:t>
             </a:r>
-            <a:endParaRPr lang="en-US" sz="1700" dirty="0"/>
+            <a:endParaRPr lang="en-US" sz="1800" dirty="0"/>
           </a:p>
           <a:p>
             <a:pPr algn="l" marL="152400" indent="-152400">
               <a:lnSpc>
-                <a:spcPts val="2210"/>
+                <a:spcPts val="2340"/>
               </a:lnSpc>
               <a:spcAft>
                 <a:spcPts val="200"/>
@@ -7516,7 +7516,7 @@
               <a:buChar char="•"/>
             </a:pPr>
             <a:r>
-              <a:rPr lang="en-US" sz="1700" dirty="0">
+              <a:rPr lang="en-US" sz="1800" dirty="0">
                 <a:solidFill>
                   <a:srgbClr val="2C2C2C"/>
                 </a:solidFill>
@@ -7526,12 +7526,12 @@
               </a:rPr>
               <a:t>Click "New issue"</a:t>
             </a:r>
-            <a:endParaRPr lang="en-US" sz="1700" dirty="0"/>
+            <a:endParaRPr lang="en-US" sz="1800" dirty="0"/>
           </a:p>
           <a:p>
             <a:pPr algn="l" marL="152400" indent="-152400">
               <a:lnSpc>
-                <a:spcPts val="2210"/>
+                <a:spcPts val="2340"/>
               </a:lnSpc>
               <a:spcAft>
                 <a:spcPts val="200"/>
@@ -7540,7 +7540,7 @@
               <a:buChar char="•"/>
             </a:pPr>
             <a:r>
-              <a:rPr lang="en-US" sz="1700" dirty="0">
+              <a:rPr lang="en-US" sz="1800" dirty="0">
                 <a:solidFill>
                   <a:srgbClr val="2C2C2C"/>
                 </a:solidFill>
@@ -7550,12 +7550,12 @@
               </a:rPr>
               <a:t>Title: "Fix broken fence post — north pasture"</a:t>
             </a:r>
-            <a:endParaRPr lang="en-US" sz="1700" dirty="0"/>
+            <a:endParaRPr lang="en-US" sz="1800" dirty="0"/>
           </a:p>
           <a:p>
             <a:pPr algn="l" marL="152400" indent="-152400">
               <a:lnSpc>
-                <a:spcPts val="2210"/>
+                <a:spcPts val="2340"/>
               </a:lnSpc>
               <a:spcAft>
                 <a:spcPts val="200"/>
@@ -7564,7 +7564,7 @@
               <a:buChar char="•"/>
             </a:pPr>
             <a:r>
-              <a:rPr lang="en-US" sz="1700" dirty="0">
+              <a:rPr lang="en-US" sz="1800" dirty="0">
                 <a:solidFill>
                   <a:srgbClr val="2C2C2C"/>
                 </a:solidFill>
@@ -7574,12 +7574,12 @@
               </a:rPr>
               <a:t>Description with details + upload photo</a:t>
             </a:r>
-            <a:endParaRPr lang="en-US" sz="1700" dirty="0"/>
+            <a:endParaRPr lang="en-US" sz="1800" dirty="0"/>
           </a:p>
           <a:p>
             <a:pPr algn="l" marL="152400" indent="-152400">
               <a:lnSpc>
-                <a:spcPts val="2210"/>
+                <a:spcPts val="2340"/>
               </a:lnSpc>
               <a:spcAft>
                 <a:spcPts val="200"/>
@@ -7588,7 +7588,7 @@
               <a:buChar char="•"/>
             </a:pPr>
             <a:r>
-              <a:rPr lang="en-US" sz="1700" dirty="0">
+              <a:rPr lang="en-US" sz="1800" dirty="0">
                 <a:solidFill>
                   <a:srgbClr val="2C2C2C"/>
                 </a:solidFill>
@@ -7598,12 +7598,12 @@
               </a:rPr>
               <a:t>Submit, add labels (fencing, urgent), assign</a:t>
             </a:r>
-            <a:endParaRPr lang="en-US" sz="1700" dirty="0"/>
+            <a:endParaRPr lang="en-US" sz="1800" dirty="0"/>
           </a:p>
           <a:p>
             <a:pPr algn="l" marL="152400" indent="-152400">
               <a:lnSpc>
-                <a:spcPts val="2210"/>
+                <a:spcPts val="2340"/>
               </a:lnSpc>
               <a:spcAft>
                 <a:spcPts val="200"/>
@@ -7612,7 +7612,7 @@
               <a:buChar char="•"/>
             </a:pPr>
             <a:r>
-              <a:rPr lang="en-US" sz="1700" dirty="0">
+              <a:rPr lang="en-US" sz="1800" dirty="0">
                 <a:solidFill>
                   <a:srgbClr val="2C2C2C"/>
                 </a:solidFill>
@@ -7622,12 +7622,12 @@
               </a:rPr>
               <a:t>Comment: "Fixed today. 3 new posts, 20ft wire."</a:t>
             </a:r>
-            <a:endParaRPr lang="en-US" sz="1700" dirty="0"/>
+            <a:endParaRPr lang="en-US" sz="1800" dirty="0"/>
           </a:p>
           <a:p>
             <a:pPr algn="l" marL="152400" indent="-152400">
               <a:lnSpc>
-                <a:spcPts val="2210"/>
+                <a:spcPts val="2340"/>
               </a:lnSpc>
               <a:spcAft>
                 <a:spcPts val="200"/>
@@ -7636,7 +7636,7 @@
               <a:buChar char="•"/>
             </a:pPr>
             <a:r>
-              <a:rPr lang="en-US" sz="1700" dirty="0">
+              <a:rPr lang="en-US" sz="1800" dirty="0">
                 <a:solidFill>
                   <a:srgbClr val="2C2C2C"/>
                 </a:solidFill>
@@ -7646,7 +7646,7 @@
               </a:rPr>
               <a:t>Close the Issue</a:t>
             </a:r>
-            <a:endParaRPr lang="en-US" sz="1700" dirty="0"/>
+            <a:endParaRPr lang="en-US" sz="1800" dirty="0"/>
           </a:p>
         </p:txBody>
       </p:sp>
@@ -8878,7 +8878,7 @@
         <p:spPr>
           <a:xfrm>
             <a:off x="355550" y="1733252"/>
-            <a:ext cx="4210151" cy="274141"/>
+            <a:ext cx="4210151" cy="308521"/>
           </a:xfrm>
           <a:prstGeom prst="rect">
             <a:avLst/>
@@ -8892,7 +8892,7 @@
           <a:p>
             <a:pPr algn="l" indent="0" marL="0">
               <a:lnSpc>
-                <a:spcPts val="2160"/>
+                <a:spcPts val="2430"/>
               </a:lnSpc>
               <a:spcBef>
                 <a:spcPts val="300"/>
@@ -8903,7 +8903,7 @@
               <a:buNone/>
             </a:pPr>
             <a:r>
-              <a:rPr lang="en-US" sz="1600" b="1" dirty="0">
+              <a:rPr lang="en-US" sz="1800" b="1" dirty="0">
                 <a:solidFill>
                   <a:srgbClr val="2C2C2C"/>
                 </a:solidFill>
@@ -8913,7 +8913,7 @@
               </a:rPr>
               <a:t>Choose your scenario:</a:t>
             </a:r>
-            <a:endParaRPr lang="en-US" sz="1600" dirty="0"/>
+            <a:endParaRPr lang="en-US" sz="1800" dirty="0"/>
           </a:p>
         </p:txBody>
       </p:sp>
@@ -8925,8 +8925,8 @@
         </p:nvSpPr>
         <p:spPr>
           <a:xfrm>
-            <a:off x="355550" y="2045494"/>
-            <a:ext cx="4127599" cy="817364"/>
+            <a:off x="355550" y="2079873"/>
+            <a:ext cx="4127599" cy="916484"/>
           </a:xfrm>
           <a:prstGeom prst="rect">
             <a:avLst/>
@@ -8940,7 +8940,7 @@
           <a:p>
             <a:pPr algn="l" marL="127000" indent="-127000">
               <a:lnSpc>
-                <a:spcPts val="2080"/>
+                <a:spcPts val="2340"/>
               </a:lnSpc>
               <a:spcAft>
                 <a:spcPts val="100"/>
@@ -8949,7 +8949,7 @@
               <a:buChar char="•"/>
             </a:pPr>
             <a:r>
-              <a:rPr lang="en-US" sz="1600" b="1" dirty="0">
+              <a:rPr lang="en-US" sz="1800" b="1" dirty="0">
                 <a:solidFill>
                   <a:srgbClr val="2C2C2C"/>
                 </a:solidFill>
@@ -8961,7 +8961,7 @@
             </a:r>
             <a:pPr algn="l" indent="0" marL="0">
               <a:lnSpc>
-                <a:spcPts val="2080"/>
+                <a:spcPts val="2340"/>
               </a:lnSpc>
               <a:spcAft>
                 <a:spcPts val="100"/>
@@ -8969,7 +8969,7 @@
               <a:buNone/>
             </a:pPr>
             <a:r>
-              <a:rPr lang="en-US" sz="1600" dirty="0">
+              <a:rPr lang="en-US" sz="1800" dirty="0">
                 <a:solidFill>
                   <a:srgbClr val="2C2C2C"/>
                 </a:solidFill>
@@ -8979,12 +8979,12 @@
               </a:rPr>
               <a:t> Crop Farming</a:t>
             </a:r>
-            <a:endParaRPr lang="en-US" sz="1600" dirty="0"/>
+            <a:endParaRPr lang="en-US" sz="1800" dirty="0"/>
           </a:p>
           <a:p>
             <a:pPr algn="l" marL="127000" indent="-127000">
               <a:lnSpc>
-                <a:spcPts val="2080"/>
+                <a:spcPts val="2340"/>
               </a:lnSpc>
               <a:spcAft>
                 <a:spcPts val="100"/>
@@ -8993,7 +8993,7 @@
               <a:buChar char="•"/>
             </a:pPr>
             <a:r>
-              <a:rPr lang="en-US" sz="1600" b="1" dirty="0">
+              <a:rPr lang="en-US" sz="1800" b="1" dirty="0">
                 <a:solidFill>
                   <a:srgbClr val="2C2C2C"/>
                 </a:solidFill>
@@ -9005,7 +9005,7 @@
             </a:r>
             <a:pPr algn="l" indent="0" marL="0">
               <a:lnSpc>
-                <a:spcPts val="2080"/>
+                <a:spcPts val="2340"/>
               </a:lnSpc>
               <a:spcAft>
                 <a:spcPts val="100"/>
@@ -9013,7 +9013,7 @@
               <a:buNone/>
             </a:pPr>
             <a:r>
-              <a:rPr lang="en-US" sz="1600" dirty="0">
+              <a:rPr lang="en-US" sz="1800" dirty="0">
                 <a:solidFill>
                   <a:srgbClr val="2C2C2C"/>
                 </a:solidFill>
@@ -9023,12 +9023,12 @@
               </a:rPr>
               <a:t> Livestock</a:t>
             </a:r>
-            <a:endParaRPr lang="en-US" sz="1600" dirty="0"/>
+            <a:endParaRPr lang="en-US" sz="1800" dirty="0"/>
           </a:p>
           <a:p>
             <a:pPr algn="l" marL="127000" indent="-127000">
               <a:lnSpc>
-                <a:spcPts val="2080"/>
+                <a:spcPts val="2340"/>
               </a:lnSpc>
               <a:spcAft>
                 <a:spcPts val="100"/>
@@ -9037,7 +9037,7 @@
               <a:buChar char="•"/>
             </a:pPr>
             <a:r>
-              <a:rPr lang="en-US" sz="1600" b="1" dirty="0">
+              <a:rPr lang="en-US" sz="1800" b="1" dirty="0">
                 <a:solidFill>
                   <a:srgbClr val="2C2C2C"/>
                 </a:solidFill>
@@ -9049,7 +9049,7 @@
             </a:r>
             <a:pPr algn="l" indent="0" marL="0">
               <a:lnSpc>
-                <a:spcPts val="2080"/>
+                <a:spcPts val="2340"/>
               </a:lnSpc>
               <a:spcAft>
                 <a:spcPts val="100"/>
@@ -9057,7 +9057,7 @@
               <a:buNone/>
             </a:pPr>
             <a:r>
-              <a:rPr lang="en-US" sz="1600" dirty="0">
+              <a:rPr lang="en-US" sz="1800" dirty="0">
                 <a:solidFill>
                   <a:srgbClr val="2C2C2C"/>
                 </a:solidFill>
@@ -9067,7 +9067,7 @@
               </a:rPr>
               <a:t> Equipment</a:t>
             </a:r>
-            <a:endParaRPr lang="en-US" sz="1600" dirty="0"/>
+            <a:endParaRPr lang="en-US" sz="1800" dirty="0"/>
           </a:p>
         </p:txBody>
       </p:sp>
@@ -9080,7 +9080,7 @@
         <p:spPr>
           <a:xfrm>
             <a:off x="4660850" y="1733252"/>
-            <a:ext cx="4210151" cy="274141"/>
+            <a:ext cx="4210151" cy="308521"/>
           </a:xfrm>
           <a:prstGeom prst="rect">
             <a:avLst/>
@@ -9094,7 +9094,7 @@
           <a:p>
             <a:pPr algn="l" indent="0" marL="0">
               <a:lnSpc>
-                <a:spcPts val="2160"/>
+                <a:spcPts val="2430"/>
               </a:lnSpc>
               <a:spcBef>
                 <a:spcPts val="300"/>
@@ -9105,7 +9105,7 @@
               <a:buNone/>
             </a:pPr>
             <a:r>
-              <a:rPr lang="en-US" sz="1600" b="1" dirty="0">
+              <a:rPr lang="en-US" sz="1800" b="1" dirty="0">
                 <a:solidFill>
                   <a:srgbClr val="2C2C2C"/>
                 </a:solidFill>
@@ -9115,7 +9115,7 @@
               </a:rPr>
               <a:t>For each Issue:</a:t>
             </a:r>
-            <a:endParaRPr lang="en-US" sz="1600" dirty="0"/>
+            <a:endParaRPr lang="en-US" sz="1800" dirty="0"/>
           </a:p>
         </p:txBody>
       </p:sp>
@@ -9127,8 +9127,8 @@
         </p:nvSpPr>
         <p:spPr>
           <a:xfrm>
-            <a:off x="4660850" y="2045494"/>
-            <a:ext cx="4127599" cy="1647379"/>
+            <a:off x="4660850" y="2079873"/>
+            <a:ext cx="4127599" cy="1845618"/>
           </a:xfrm>
           <a:prstGeom prst="rect">
             <a:avLst/>
@@ -9142,7 +9142,7 @@
           <a:p>
             <a:pPr algn="l" marL="127000" indent="-127000">
               <a:lnSpc>
-                <a:spcPts val="2080"/>
+                <a:spcPts val="2340"/>
               </a:lnSpc>
               <a:spcAft>
                 <a:spcPts val="100"/>
@@ -9151,7 +9151,7 @@
               <a:buChar char="•"/>
             </a:pPr>
             <a:r>
-              <a:rPr lang="en-US" sz="1600" dirty="0">
+              <a:rPr lang="en-US" sz="1800" dirty="0">
                 <a:solidFill>
                   <a:srgbClr val="2C2C2C"/>
                 </a:solidFill>
@@ -9161,12 +9161,12 @@
               </a:rPr>
               <a:t>Write a clear title</a:t>
             </a:r>
-            <a:endParaRPr lang="en-US" sz="1600" dirty="0"/>
+            <a:endParaRPr lang="en-US" sz="1800" dirty="0"/>
           </a:p>
           <a:p>
             <a:pPr algn="l" marL="127000" indent="-127000">
               <a:lnSpc>
-                <a:spcPts val="2080"/>
+                <a:spcPts val="2340"/>
               </a:lnSpc>
               <a:spcAft>
                 <a:spcPts val="100"/>
@@ -9175,7 +9175,7 @@
               <a:buChar char="•"/>
             </a:pPr>
             <a:r>
-              <a:rPr lang="en-US" sz="1600" dirty="0">
+              <a:rPr lang="en-US" sz="1800" dirty="0">
                 <a:solidFill>
                   <a:srgbClr val="2C2C2C"/>
                 </a:solidFill>
@@ -9185,12 +9185,12 @@
               </a:rPr>
               <a:t>Add a description</a:t>
             </a:r>
-            <a:endParaRPr lang="en-US" sz="1600" dirty="0"/>
+            <a:endParaRPr lang="en-US" sz="1800" dirty="0"/>
           </a:p>
           <a:p>
             <a:pPr algn="l" marL="127000" indent="-127000">
               <a:lnSpc>
-                <a:spcPts val="2080"/>
+                <a:spcPts val="2340"/>
               </a:lnSpc>
               <a:spcAft>
                 <a:spcPts val="100"/>
@@ -9199,7 +9199,7 @@
               <a:buChar char="•"/>
             </a:pPr>
             <a:r>
-              <a:rPr lang="en-US" sz="1600" dirty="0">
+              <a:rPr lang="en-US" sz="1800" dirty="0">
                 <a:solidFill>
                   <a:srgbClr val="2C2C2C"/>
                 </a:solidFill>
@@ -9209,12 +9209,12 @@
               </a:rPr>
               <a:t>Upload at least 1 photo</a:t>
             </a:r>
-            <a:endParaRPr lang="en-US" sz="1600" dirty="0"/>
+            <a:endParaRPr lang="en-US" sz="1800" dirty="0"/>
           </a:p>
           <a:p>
             <a:pPr algn="l" marL="127000" indent="-127000">
               <a:lnSpc>
-                <a:spcPts val="2080"/>
+                <a:spcPts val="2340"/>
               </a:lnSpc>
               <a:spcAft>
                 <a:spcPts val="100"/>
@@ -9223,7 +9223,7 @@
               <a:buChar char="•"/>
             </a:pPr>
             <a:r>
-              <a:rPr lang="en-US" sz="1600" dirty="0">
+              <a:rPr lang="en-US" sz="1800" dirty="0">
                 <a:solidFill>
                   <a:srgbClr val="2C2C2C"/>
                 </a:solidFill>
@@ -9233,12 +9233,12 @@
               </a:rPr>
               <a:t>Add a label</a:t>
             </a:r>
-            <a:endParaRPr lang="en-US" sz="1600" dirty="0"/>
+            <a:endParaRPr lang="en-US" sz="1800" dirty="0"/>
           </a:p>
           <a:p>
             <a:pPr algn="l" marL="127000" indent="-127000">
               <a:lnSpc>
-                <a:spcPts val="2080"/>
+                <a:spcPts val="2340"/>
               </a:lnSpc>
               <a:spcAft>
                 <a:spcPts val="100"/>
@@ -9247,7 +9247,7 @@
               <a:buChar char="•"/>
             </a:pPr>
             <a:r>
-              <a:rPr lang="en-US" sz="1600" dirty="0">
+              <a:rPr lang="en-US" sz="1800" dirty="0">
                 <a:solidFill>
                   <a:srgbClr val="2C2C2C"/>
                 </a:solidFill>
@@ -9257,12 +9257,12 @@
               </a:rPr>
               <a:t>Comment with an update</a:t>
             </a:r>
-            <a:endParaRPr lang="en-US" sz="1600" dirty="0"/>
+            <a:endParaRPr lang="en-US" sz="1800" dirty="0"/>
           </a:p>
           <a:p>
             <a:pPr algn="l" marL="127000" indent="-127000">
               <a:lnSpc>
-                <a:spcPts val="2080"/>
+                <a:spcPts val="2340"/>
               </a:lnSpc>
               <a:spcAft>
                 <a:spcPts val="100"/>
@@ -9271,7 +9271,7 @@
               <a:buChar char="•"/>
             </a:pPr>
             <a:r>
-              <a:rPr lang="en-US" sz="1600" dirty="0">
+              <a:rPr lang="en-US" sz="1800" dirty="0">
                 <a:solidFill>
                   <a:srgbClr val="2C2C2C"/>
                 </a:solidFill>
@@ -9281,7 +9281,7 @@
               </a:rPr>
               <a:t>Close 1 of the 3 Issues</a:t>
             </a:r>
-            <a:endParaRPr lang="en-US" sz="1600" dirty="0"/>
+            <a:endParaRPr lang="en-US" sz="1800" dirty="0"/>
           </a:p>
         </p:txBody>
       </p:sp>
